--- a/2020.02_Sesion_01_Introducción_2021_1S.pptx
+++ b/2020.02_Sesion_01_Introducción_2021_1S.pptx
@@ -348,7 +348,7 @@
             <a:fld id="{B61BEF0D-F0BB-DE4B-95CE-6DB70DBA9567}" type="datetimeFigureOut">
               <a:rPr lang="en-US" dirty="0"/>
               <a:pPr/>
-              <a:t>3/4/2021</a:t>
+              <a:t>4/7/2021</a:t>
             </a:fld>
             <a:endParaRPr lang="en-US" dirty="0"/>
           </a:p>
@@ -683,7 +683,7 @@
             <a:fld id="{B61BEF0D-F0BB-DE4B-95CE-6DB70DBA9567}" type="datetimeFigureOut">
               <a:rPr lang="en-US" dirty="0"/>
               <a:pPr/>
-              <a:t>3/4/2021</a:t>
+              <a:t>4/7/2021</a:t>
             </a:fld>
             <a:endParaRPr lang="en-US" dirty="0"/>
           </a:p>
@@ -1081,7 +1081,7 @@
             <a:fld id="{B61BEF0D-F0BB-DE4B-95CE-6DB70DBA9567}" type="datetimeFigureOut">
               <a:rPr lang="en-US" dirty="0"/>
               <a:pPr/>
-              <a:t>3/4/2021</a:t>
+              <a:t>4/7/2021</a:t>
             </a:fld>
             <a:endParaRPr lang="en-US" dirty="0"/>
           </a:p>
@@ -1413,7 +1413,7 @@
             <a:fld id="{B61BEF0D-F0BB-DE4B-95CE-6DB70DBA9567}" type="datetimeFigureOut">
               <a:rPr lang="en-US" dirty="0"/>
               <a:pPr/>
-              <a:t>3/4/2021</a:t>
+              <a:t>4/7/2021</a:t>
             </a:fld>
             <a:endParaRPr lang="en-US" dirty="0"/>
           </a:p>
@@ -1730,7 +1730,7 @@
             <a:fld id="{B61BEF0D-F0BB-DE4B-95CE-6DB70DBA9567}" type="datetimeFigureOut">
               <a:rPr lang="en-US" dirty="0"/>
               <a:pPr/>
-              <a:t>3/4/2021</a:t>
+              <a:t>4/7/2021</a:t>
             </a:fld>
             <a:endParaRPr lang="en-US" dirty="0"/>
           </a:p>
@@ -2123,7 +2123,7 @@
             <a:fld id="{B61BEF0D-F0BB-DE4B-95CE-6DB70DBA9567}" type="datetimeFigureOut">
               <a:rPr lang="en-US" dirty="0"/>
               <a:pPr/>
-              <a:t>3/4/2021</a:t>
+              <a:t>4/7/2021</a:t>
             </a:fld>
             <a:endParaRPr lang="en-US" dirty="0"/>
           </a:p>
@@ -2377,7 +2377,7 @@
             <a:fld id="{B61BEF0D-F0BB-DE4B-95CE-6DB70DBA9567}" type="datetimeFigureOut">
               <a:rPr lang="en-US" dirty="0"/>
               <a:pPr/>
-              <a:t>3/4/2021</a:t>
+              <a:t>4/7/2021</a:t>
             </a:fld>
             <a:endParaRPr lang="en-US" dirty="0"/>
           </a:p>
@@ -2636,7 +2636,7 @@
             <a:fld id="{B61BEF0D-F0BB-DE4B-95CE-6DB70DBA9567}" type="datetimeFigureOut">
               <a:rPr lang="en-US" dirty="0"/>
               <a:pPr/>
-              <a:t>3/4/2021</a:t>
+              <a:t>4/7/2021</a:t>
             </a:fld>
             <a:endParaRPr lang="en-US" dirty="0"/>
           </a:p>
@@ -2895,7 +2895,7 @@
             <a:fld id="{B61BEF0D-F0BB-DE4B-95CE-6DB70DBA9567}" type="datetimeFigureOut">
               <a:rPr lang="en-US" dirty="0"/>
               <a:pPr/>
-              <a:t>3/4/2021</a:t>
+              <a:t>4/7/2021</a:t>
             </a:fld>
             <a:endParaRPr lang="en-US" dirty="0"/>
           </a:p>
@@ -3221,7 +3221,7 @@
             <a:fld id="{B61BEF0D-F0BB-DE4B-95CE-6DB70DBA9567}" type="datetimeFigureOut">
               <a:rPr lang="en-US" dirty="0"/>
               <a:pPr/>
-              <a:t>3/4/2021</a:t>
+              <a:t>4/7/2021</a:t>
             </a:fld>
             <a:endParaRPr lang="en-US" dirty="0"/>
           </a:p>
@@ -3541,7 +3541,7 @@
             <a:fld id="{B61BEF0D-F0BB-DE4B-95CE-6DB70DBA9567}" type="datetimeFigureOut">
               <a:rPr lang="en-US" dirty="0"/>
               <a:pPr/>
-              <a:t>3/4/2021</a:t>
+              <a:t>4/7/2021</a:t>
             </a:fld>
             <a:endParaRPr lang="en-US" dirty="0"/>
           </a:p>
@@ -3995,7 +3995,7 @@
             <a:fld id="{B61BEF0D-F0BB-DE4B-95CE-6DB70DBA9567}" type="datetimeFigureOut">
               <a:rPr lang="en-US" dirty="0"/>
               <a:pPr/>
-              <a:t>3/4/2021</a:t>
+              <a:t>4/7/2021</a:t>
             </a:fld>
             <a:endParaRPr lang="en-US" dirty="0"/>
           </a:p>
@@ -4197,7 +4197,7 @@
             <a:fld id="{B61BEF0D-F0BB-DE4B-95CE-6DB70DBA9567}" type="datetimeFigureOut">
               <a:rPr lang="en-US" dirty="0"/>
               <a:pPr/>
-              <a:t>3/4/2021</a:t>
+              <a:t>4/7/2021</a:t>
             </a:fld>
             <a:endParaRPr lang="en-US" dirty="0"/>
           </a:p>
@@ -4371,7 +4371,7 @@
             <a:fld id="{B61BEF0D-F0BB-DE4B-95CE-6DB70DBA9567}" type="datetimeFigureOut">
               <a:rPr lang="en-US" dirty="0"/>
               <a:pPr/>
-              <a:t>3/4/2021</a:t>
+              <a:t>4/7/2021</a:t>
             </a:fld>
             <a:endParaRPr lang="en-US" dirty="0"/>
           </a:p>
@@ -4701,7 +4701,7 @@
             <a:fld id="{B61BEF0D-F0BB-DE4B-95CE-6DB70DBA9567}" type="datetimeFigureOut">
               <a:rPr lang="en-US" dirty="0"/>
               <a:pPr/>
-              <a:t>3/4/2021</a:t>
+              <a:t>4/7/2021</a:t>
             </a:fld>
             <a:endParaRPr lang="en-US" dirty="0"/>
           </a:p>
@@ -5043,7 +5043,7 @@
             <a:fld id="{B61BEF0D-F0BB-DE4B-95CE-6DB70DBA9567}" type="datetimeFigureOut">
               <a:rPr lang="en-US" dirty="0"/>
               <a:pPr/>
-              <a:t>3/4/2021</a:t>
+              <a:t>4/7/2021</a:t>
             </a:fld>
             <a:endParaRPr lang="en-US" dirty="0"/>
           </a:p>
@@ -7157,7 +7157,7 @@
             <a:fld id="{B61BEF0D-F0BB-DE4B-95CE-6DB70DBA9567}" type="datetimeFigureOut">
               <a:rPr lang="en-US" dirty="0"/>
               <a:pPr/>
-              <a:t>3/4/2021</a:t>
+              <a:t>4/7/2021</a:t>
             </a:fld>
             <a:endParaRPr lang="en-US" dirty="0"/>
           </a:p>
@@ -10616,13 +10616,8 @@
           <a:p>
             <a:r>
               <a:rPr lang="es-CO" dirty="0"/>
-              <a:t>Administración y venta de medicamentos </a:t>
-            </a:r>
-            <a:r>
-              <a:rPr lang="es-CO" dirty="0" err="1"/>
-              <a:t>omeopáticos</a:t>
-            </a:r>
-            <a:endParaRPr lang="es-CO" dirty="0"/>
+              <a:t>Administración y venta de medicamentos homeopáticos</a:t>
+            </a:r>
           </a:p>
           <a:p>
             <a:r>

--- a/2020.02_Sesion_01_Introducción_2021_1S.pptx
+++ b/2020.02_Sesion_01_Introducción_2021_1S.pptx
@@ -348,7 +348,7 @@
             <a:fld id="{B61BEF0D-F0BB-DE4B-95CE-6DB70DBA9567}" type="datetimeFigureOut">
               <a:rPr lang="en-US" dirty="0"/>
               <a:pPr/>
-              <a:t>4/7/2021</a:t>
+              <a:t>7/22/2021</a:t>
             </a:fld>
             <a:endParaRPr lang="en-US" dirty="0"/>
           </a:p>
@@ -683,7 +683,7 @@
             <a:fld id="{B61BEF0D-F0BB-DE4B-95CE-6DB70DBA9567}" type="datetimeFigureOut">
               <a:rPr lang="en-US" dirty="0"/>
               <a:pPr/>
-              <a:t>4/7/2021</a:t>
+              <a:t>7/22/2021</a:t>
             </a:fld>
             <a:endParaRPr lang="en-US" dirty="0"/>
           </a:p>
@@ -1081,7 +1081,7 @@
             <a:fld id="{B61BEF0D-F0BB-DE4B-95CE-6DB70DBA9567}" type="datetimeFigureOut">
               <a:rPr lang="en-US" dirty="0"/>
               <a:pPr/>
-              <a:t>4/7/2021</a:t>
+              <a:t>7/22/2021</a:t>
             </a:fld>
             <a:endParaRPr lang="en-US" dirty="0"/>
           </a:p>
@@ -1413,7 +1413,7 @@
             <a:fld id="{B61BEF0D-F0BB-DE4B-95CE-6DB70DBA9567}" type="datetimeFigureOut">
               <a:rPr lang="en-US" dirty="0"/>
               <a:pPr/>
-              <a:t>4/7/2021</a:t>
+              <a:t>7/22/2021</a:t>
             </a:fld>
             <a:endParaRPr lang="en-US" dirty="0"/>
           </a:p>
@@ -1730,7 +1730,7 @@
             <a:fld id="{B61BEF0D-F0BB-DE4B-95CE-6DB70DBA9567}" type="datetimeFigureOut">
               <a:rPr lang="en-US" dirty="0"/>
               <a:pPr/>
-              <a:t>4/7/2021</a:t>
+              <a:t>7/22/2021</a:t>
             </a:fld>
             <a:endParaRPr lang="en-US" dirty="0"/>
           </a:p>
@@ -2123,7 +2123,7 @@
             <a:fld id="{B61BEF0D-F0BB-DE4B-95CE-6DB70DBA9567}" type="datetimeFigureOut">
               <a:rPr lang="en-US" dirty="0"/>
               <a:pPr/>
-              <a:t>4/7/2021</a:t>
+              <a:t>7/22/2021</a:t>
             </a:fld>
             <a:endParaRPr lang="en-US" dirty="0"/>
           </a:p>
@@ -2377,7 +2377,7 @@
             <a:fld id="{B61BEF0D-F0BB-DE4B-95CE-6DB70DBA9567}" type="datetimeFigureOut">
               <a:rPr lang="en-US" dirty="0"/>
               <a:pPr/>
-              <a:t>4/7/2021</a:t>
+              <a:t>7/22/2021</a:t>
             </a:fld>
             <a:endParaRPr lang="en-US" dirty="0"/>
           </a:p>
@@ -2636,7 +2636,7 @@
             <a:fld id="{B61BEF0D-F0BB-DE4B-95CE-6DB70DBA9567}" type="datetimeFigureOut">
               <a:rPr lang="en-US" dirty="0"/>
               <a:pPr/>
-              <a:t>4/7/2021</a:t>
+              <a:t>7/22/2021</a:t>
             </a:fld>
             <a:endParaRPr lang="en-US" dirty="0"/>
           </a:p>
@@ -2895,7 +2895,7 @@
             <a:fld id="{B61BEF0D-F0BB-DE4B-95CE-6DB70DBA9567}" type="datetimeFigureOut">
               <a:rPr lang="en-US" dirty="0"/>
               <a:pPr/>
-              <a:t>4/7/2021</a:t>
+              <a:t>7/22/2021</a:t>
             </a:fld>
             <a:endParaRPr lang="en-US" dirty="0"/>
           </a:p>
@@ -3221,7 +3221,7 @@
             <a:fld id="{B61BEF0D-F0BB-DE4B-95CE-6DB70DBA9567}" type="datetimeFigureOut">
               <a:rPr lang="en-US" dirty="0"/>
               <a:pPr/>
-              <a:t>4/7/2021</a:t>
+              <a:t>7/22/2021</a:t>
             </a:fld>
             <a:endParaRPr lang="en-US" dirty="0"/>
           </a:p>
@@ -3541,7 +3541,7 @@
             <a:fld id="{B61BEF0D-F0BB-DE4B-95CE-6DB70DBA9567}" type="datetimeFigureOut">
               <a:rPr lang="en-US" dirty="0"/>
               <a:pPr/>
-              <a:t>4/7/2021</a:t>
+              <a:t>7/22/2021</a:t>
             </a:fld>
             <a:endParaRPr lang="en-US" dirty="0"/>
           </a:p>
@@ -3995,7 +3995,7 @@
             <a:fld id="{B61BEF0D-F0BB-DE4B-95CE-6DB70DBA9567}" type="datetimeFigureOut">
               <a:rPr lang="en-US" dirty="0"/>
               <a:pPr/>
-              <a:t>4/7/2021</a:t>
+              <a:t>7/22/2021</a:t>
             </a:fld>
             <a:endParaRPr lang="en-US" dirty="0"/>
           </a:p>
@@ -4197,7 +4197,7 @@
             <a:fld id="{B61BEF0D-F0BB-DE4B-95CE-6DB70DBA9567}" type="datetimeFigureOut">
               <a:rPr lang="en-US" dirty="0"/>
               <a:pPr/>
-              <a:t>4/7/2021</a:t>
+              <a:t>7/22/2021</a:t>
             </a:fld>
             <a:endParaRPr lang="en-US" dirty="0"/>
           </a:p>
@@ -4371,7 +4371,7 @@
             <a:fld id="{B61BEF0D-F0BB-DE4B-95CE-6DB70DBA9567}" type="datetimeFigureOut">
               <a:rPr lang="en-US" dirty="0"/>
               <a:pPr/>
-              <a:t>4/7/2021</a:t>
+              <a:t>7/22/2021</a:t>
             </a:fld>
             <a:endParaRPr lang="en-US" dirty="0"/>
           </a:p>
@@ -4701,7 +4701,7 @@
             <a:fld id="{B61BEF0D-F0BB-DE4B-95CE-6DB70DBA9567}" type="datetimeFigureOut">
               <a:rPr lang="en-US" dirty="0"/>
               <a:pPr/>
-              <a:t>4/7/2021</a:t>
+              <a:t>7/22/2021</a:t>
             </a:fld>
             <a:endParaRPr lang="en-US" dirty="0"/>
           </a:p>
@@ -5043,7 +5043,7 @@
             <a:fld id="{B61BEF0D-F0BB-DE4B-95CE-6DB70DBA9567}" type="datetimeFigureOut">
               <a:rPr lang="en-US" dirty="0"/>
               <a:pPr/>
-              <a:t>4/7/2021</a:t>
+              <a:t>7/22/2021</a:t>
             </a:fld>
             <a:endParaRPr lang="en-US" dirty="0"/>
           </a:p>
@@ -7157,7 +7157,7 @@
             <a:fld id="{B61BEF0D-F0BB-DE4B-95CE-6DB70DBA9567}" type="datetimeFigureOut">
               <a:rPr lang="en-US" dirty="0"/>
               <a:pPr/>
-              <a:t>4/7/2021</a:t>
+              <a:t>7/22/2021</a:t>
             </a:fld>
             <a:endParaRPr lang="en-US" dirty="0"/>
           </a:p>
@@ -9853,15 +9853,7 @@
           <a:p>
             <a:r>
               <a:rPr lang="es-CO" b="1" dirty="0"/>
-              <a:t>(20%) 5% x4 Cada </a:t>
-            </a:r>
-            <a:r>
-              <a:rPr lang="es-CO" b="1" dirty="0" err="1"/>
-              <a:t>Picth</a:t>
-            </a:r>
-            <a:r>
-              <a:rPr lang="es-CO" b="1" dirty="0"/>
-              <a:t> </a:t>
+              <a:t>(20%) 5% x4 Cada Pitch </a:t>
             </a:r>
             <a:r>
               <a:rPr lang="es-CO" b="1" dirty="0" err="1"/>
